--- a/week 2/Dart week2.pptx
+++ b/week 2/Dart week2.pptx
@@ -5059,8 +5059,8 @@
           </a:p>
           <a:p>
             <a:r>
-              <a:rPr lang="en-US" altLang="zh-TW" dirty="0" err="1"/>
-              <a:t>Exceotions</a:t>
+              <a:rPr lang="en-US" altLang="zh-TW" dirty="0"/>
+              <a:t>Exceptions</a:t>
             </a:r>
             <a:endParaRPr lang="zh-TW" altLang="en-US" dirty="0"/>
           </a:p>
